--- a/LinearEquation/Pictures.pptx
+++ b/LinearEquation/Pictures.pptx
@@ -110,6 +110,11 @@
       </a:defRPr>
     </a:lvl9pPr>
   </p:defaultTextStyle>
+  <p:extLst>
+    <p:ext uri="{EFAFB233-063F-42B5-8137-9DF3F51BA10A}">
+      <p15:sldGuideLst xmlns:p15="http://schemas.microsoft.com/office/powerpoint/2012/main"/>
+    </p:ext>
+  </p:extLst>
 </p:presentation>
 </file>
 
@@ -3407,8 +3412,8 @@
             </a:p>
           </p:txBody>
         </p:sp>
-        <mc:AlternateContent xmlns:mc="http://schemas.openxmlformats.org/markup-compatibility/2006">
-          <mc:Choice xmlns:a14="http://schemas.microsoft.com/office/drawing/2010/main" Requires="a14">
+        <mc:AlternateContent xmlns:mc="http://schemas.openxmlformats.org/markup-compatibility/2006" xmlns:a14="http://schemas.microsoft.com/office/drawing/2010/main">
+          <mc:Choice Requires="a14">
             <p:sp>
               <p:nvSpPr>
                 <p:cNvPr id="18" name="TextBox 17"/>
@@ -3431,6 +3436,7 @@
                 </a:bodyPr>
                 <a:lstStyle/>
                 <a:p>
+                  <a:pPr/>
                   <a14:m>
                     <m:oMathPara xmlns:m="http://schemas.openxmlformats.org/officeDocument/2006/math">
                       <m:oMathParaPr>
@@ -3460,7 +3466,7 @@
               </p:txBody>
             </p:sp>
           </mc:Choice>
-          <mc:Fallback>
+          <mc:Fallback xmlns="">
             <p:sp>
               <p:nvSpPr>
                 <p:cNvPr id="18" name="TextBox 17"/>
@@ -3554,8 +3560,8 @@
             </a:p>
           </p:txBody>
         </p:sp>
-        <mc:AlternateContent xmlns:mc="http://schemas.openxmlformats.org/markup-compatibility/2006">
-          <mc:Choice xmlns:a14="http://schemas.microsoft.com/office/drawing/2010/main" Requires="a14">
+        <mc:AlternateContent xmlns:mc="http://schemas.openxmlformats.org/markup-compatibility/2006" xmlns:a14="http://schemas.microsoft.com/office/drawing/2010/main">
+          <mc:Choice Requires="a14">
             <p:sp>
               <p:nvSpPr>
                 <p:cNvPr id="20" name="TextBox 19"/>
@@ -3578,6 +3584,7 @@
                 </a:bodyPr>
                 <a:lstStyle/>
                 <a:p>
+                  <a:pPr/>
                   <a14:m>
                     <m:oMathPara xmlns:m="http://schemas.openxmlformats.org/officeDocument/2006/math">
                       <m:oMathParaPr>
@@ -3607,7 +3614,7 @@
               </p:txBody>
             </p:sp>
           </mc:Choice>
-          <mc:Fallback>
+          <mc:Fallback xmlns="">
             <p:sp>
               <p:nvSpPr>
                 <p:cNvPr id="20" name="TextBox 19"/>
@@ -4429,6 +4436,46 @@
           <a:p>
             <a:pPr algn="ctr"/>
             <a:endParaRPr lang="ko-KR" altLang="en-US"/>
+          </a:p>
+        </p:txBody>
+      </p:sp>
+      <p:sp>
+        <p:nvSpPr>
+          <p:cNvPr id="37" name="타원 36"/>
+          <p:cNvSpPr/>
+          <p:nvPr/>
+        </p:nvSpPr>
+        <p:spPr>
+          <a:xfrm>
+            <a:off x="1021643" y="4572235"/>
+            <a:ext cx="364067" cy="364067"/>
+          </a:xfrm>
+          <a:prstGeom prst="ellipse">
+            <a:avLst/>
+          </a:prstGeom>
+        </p:spPr>
+        <p:style>
+          <a:lnRef idx="2">
+            <a:schemeClr val="accent1">
+              <a:shade val="50000"/>
+            </a:schemeClr>
+          </a:lnRef>
+          <a:fillRef idx="1">
+            <a:schemeClr val="accent1"/>
+          </a:fillRef>
+          <a:effectRef idx="0">
+            <a:schemeClr val="accent1"/>
+          </a:effectRef>
+          <a:fontRef idx="minor">
+            <a:schemeClr val="lt1"/>
+          </a:fontRef>
+        </p:style>
+        <p:txBody>
+          <a:bodyPr rtlCol="0" anchor="ctr"/>
+          <a:lstStyle/>
+          <a:p>
+            <a:pPr algn="ctr"/>
+            <a:endParaRPr lang="ko-KR" altLang="en-US" dirty="0"/>
           </a:p>
         </p:txBody>
       </p:sp>
